--- a/Slides/SQF-Folien_prague.pptx
+++ b/Slides/SQF-Folien_prague.pptx
@@ -264,7 +264,7 @@
           <a:p>
             <a:fld id="{D47D8A5B-AC4C-43B8-8900-F35950A2270E}" type="datetimeFigureOut">
               <a:rPr lang="de-DE" smtClean="0"/>
-              <a:t>01.02.2017</a:t>
+              <a:t>08.02.2017</a:t>
             </a:fld>
             <a:endParaRPr lang="de-DE"/>
           </a:p>
@@ -5245,12 +5245,8 @@
           <a:lstStyle/>
           <a:p>
             <a:r>
-              <a:rPr lang="de-DE" dirty="0" err="1" smtClean="0"/>
-              <a:t>Seconde</a:t>
-            </a:r>
-            <a:r>
-              <a:rPr lang="de-DE" dirty="0" smtClean="0"/>
-              <a:t> </a:t>
+              <a:rPr lang="de-DE" dirty="0" smtClean="0"/>
+              <a:t>Second </a:t>
             </a:r>
             <a:r>
               <a:rPr lang="de-DE" dirty="0" err="1" smtClean="0"/>
@@ -5363,6 +5359,14 @@
               <a:rPr lang="de-DE" dirty="0" err="1" smtClean="0"/>
               <a:t>sqf:fix</a:t>
             </a:r>
+            <a:r>
+              <a:rPr lang="de-DE" dirty="0" smtClean="0"/>
+              <a:t> </a:t>
+            </a:r>
+            <a:r>
+              <a:rPr lang="de-DE" dirty="0" err="1" smtClean="0"/>
+              <a:t>element</a:t>
+            </a:r>
             <a:endParaRPr lang="de-DE" dirty="0" smtClean="0"/>
           </a:p>
           <a:p>
@@ -5602,11 +5606,11 @@
   <p:clrMapOvr>
     <a:masterClrMapping/>
   </p:clrMapOvr>
-  <mc:AlternateContent xmlns:mc="http://schemas.openxmlformats.org/markup-compatibility/2006">
-    <mc:Choice xmlns:p14="http://schemas.microsoft.com/office/powerpoint/2010/main" Requires="p14">
+  <mc:AlternateContent xmlns:mc="http://schemas.openxmlformats.org/markup-compatibility/2006" xmlns:p14="http://schemas.microsoft.com/office/powerpoint/2010/main">
+    <mc:Choice Requires="p14">
       <p:transition spd="slow" p14:dur="2000"/>
     </mc:Choice>
-    <mc:Fallback>
+    <mc:Fallback xmlns="">
       <p:transition spd="slow"/>
     </mc:Fallback>
   </mc:AlternateContent>
@@ -6549,11 +6553,23 @@
             </a:r>
             <a:r>
               <a:rPr lang="de-DE" dirty="0" smtClean="0"/>
-              <a:t> a different </a:t>
+              <a:t> </a:t>
+            </a:r>
+            <a:r>
+              <a:rPr lang="de-DE" dirty="0" smtClean="0"/>
+              <a:t>a </a:t>
             </a:r>
             <a:r>
               <a:rPr lang="de-DE" dirty="0" err="1" smtClean="0"/>
               <a:t>language</a:t>
+            </a:r>
+            <a:r>
+              <a:rPr lang="de-DE" dirty="0" smtClean="0"/>
+              <a:t> </a:t>
+            </a:r>
+            <a:r>
+              <a:rPr lang="de-DE" dirty="0" err="1" smtClean="0"/>
+              <a:t>other</a:t>
             </a:r>
             <a:r>
               <a:rPr lang="de-DE" dirty="0" smtClean="0"/>
@@ -7342,7 +7358,7 @@
           <a:graphicData uri="http://schemas.openxmlformats.org/presentationml/2006/ole">
             <mc:AlternateContent xmlns:mc="http://schemas.openxmlformats.org/markup-compatibility/2006">
               <mc:Choice xmlns:v="urn:schemas-microsoft-com:vml" Requires="v">
-                <p:oleObj spid="_x0000_s1036" name="Image" r:id="rId3" imgW="7174440" imgH="4558680" progId="Photoshop.Image.13">
+                <p:oleObj spid="_x0000_s1056" name="Image" r:id="rId3" imgW="7174440" imgH="4558680" progId="Photoshop.Image.13">
                   <p:embed/>
                 </p:oleObj>
               </mc:Choice>
@@ -7399,7 +7415,7 @@
           <a:graphicData uri="http://schemas.openxmlformats.org/presentationml/2006/ole">
             <mc:AlternateContent xmlns:mc="http://schemas.openxmlformats.org/markup-compatibility/2006">
               <mc:Choice xmlns:v="urn:schemas-microsoft-com:vml" Requires="v">
-                <p:oleObj spid="_x0000_s1037" name="Image" r:id="rId5" imgW="7174440" imgH="4558680" progId="Photoshop.Image.13">
+                <p:oleObj spid="_x0000_s1057" name="Image" r:id="rId5" imgW="7174440" imgH="4558680" progId="Photoshop.Image.13">
                   <p:embed/>
                 </p:oleObj>
               </mc:Choice>
@@ -7456,7 +7472,7 @@
           <a:graphicData uri="http://schemas.openxmlformats.org/presentationml/2006/ole">
             <mc:AlternateContent xmlns:mc="http://schemas.openxmlformats.org/markup-compatibility/2006">
               <mc:Choice xmlns:v="urn:schemas-microsoft-com:vml" Requires="v">
-                <p:oleObj spid="_x0000_s1038" name="Image" r:id="rId7" imgW="7174440" imgH="4558680" progId="Photoshop.Image.13">
+                <p:oleObj spid="_x0000_s1058" name="Image" r:id="rId7" imgW="7174440" imgH="4558680" progId="Photoshop.Image.13">
                   <p:embed/>
                 </p:oleObj>
               </mc:Choice>
@@ -7513,7 +7529,7 @@
           <a:graphicData uri="http://schemas.openxmlformats.org/presentationml/2006/ole">
             <mc:AlternateContent xmlns:mc="http://schemas.openxmlformats.org/markup-compatibility/2006">
               <mc:Choice xmlns:v="urn:schemas-microsoft-com:vml" Requires="v">
-                <p:oleObj spid="_x0000_s1039" name="Image" r:id="rId9" imgW="7174440" imgH="4558680" progId="Photoshop.Image.13">
+                <p:oleObj spid="_x0000_s1059" name="Image" r:id="rId9" imgW="7174440" imgH="4558680" progId="Photoshop.Image.13">
                   <p:embed/>
                 </p:oleObj>
               </mc:Choice>
@@ -7570,7 +7586,7 @@
           <a:graphicData uri="http://schemas.openxmlformats.org/presentationml/2006/ole">
             <mc:AlternateContent xmlns:mc="http://schemas.openxmlformats.org/markup-compatibility/2006">
               <mc:Choice xmlns:v="urn:schemas-microsoft-com:vml" Requires="v">
-                <p:oleObj spid="_x0000_s1040" name="Image" r:id="rId11" imgW="7174440" imgH="4558680" progId="Photoshop.Image.13">
+                <p:oleObj spid="_x0000_s1060" name="Image" r:id="rId11" imgW="7174440" imgH="4558680" progId="Photoshop.Image.13">
                   <p:embed/>
                 </p:oleObj>
               </mc:Choice>
@@ -8544,11 +8560,11 @@
   <p:clrMapOvr>
     <a:masterClrMapping/>
   </p:clrMapOvr>
-  <mc:AlternateContent xmlns:mc="http://schemas.openxmlformats.org/markup-compatibility/2006">
-    <mc:Choice xmlns:p14="http://schemas.microsoft.com/office/powerpoint/2010/main" Requires="p14">
+  <mc:AlternateContent xmlns:mc="http://schemas.openxmlformats.org/markup-compatibility/2006" xmlns:p14="http://schemas.microsoft.com/office/powerpoint/2010/main">
+    <mc:Choice Requires="p14">
       <p:transition spd="slow" p14:dur="2000"/>
     </mc:Choice>
-    <mc:Fallback>
+    <mc:Fallback xmlns="">
       <p:transition spd="slow"/>
     </mc:Fallback>
   </mc:AlternateContent>

--- a/Slides/SQF-Folien_prague.pptx
+++ b/Slides/SQF-Folien_prague.pptx
@@ -264,7 +264,7 @@
           <a:p>
             <a:fld id="{D47D8A5B-AC4C-43B8-8900-F35950A2270E}" type="datetimeFigureOut">
               <a:rPr lang="de-DE" smtClean="0"/>
-              <a:t>08.02.2017</a:t>
+              <a:t>09.02.2017</a:t>
             </a:fld>
             <a:endParaRPr lang="de-DE"/>
           </a:p>
@@ -6553,11 +6553,7 @@
             </a:r>
             <a:r>
               <a:rPr lang="de-DE" dirty="0" smtClean="0"/>
-              <a:t> </a:t>
-            </a:r>
-            <a:r>
-              <a:rPr lang="de-DE" dirty="0" smtClean="0"/>
-              <a:t>a </a:t>
+              <a:t> a </a:t>
             </a:r>
             <a:r>
               <a:rPr lang="de-DE" dirty="0" err="1" smtClean="0"/>
@@ -7358,7 +7354,7 @@
           <a:graphicData uri="http://schemas.openxmlformats.org/presentationml/2006/ole">
             <mc:AlternateContent xmlns:mc="http://schemas.openxmlformats.org/markup-compatibility/2006">
               <mc:Choice xmlns:v="urn:schemas-microsoft-com:vml" Requires="v">
-                <p:oleObj spid="_x0000_s1056" name="Image" r:id="rId3" imgW="7174440" imgH="4558680" progId="Photoshop.Image.13">
+                <p:oleObj spid="_x0000_s1066" name="Image" r:id="rId3" imgW="7174440" imgH="4558680" progId="Photoshop.Image.13">
                   <p:embed/>
                 </p:oleObj>
               </mc:Choice>
@@ -7415,7 +7411,7 @@
           <a:graphicData uri="http://schemas.openxmlformats.org/presentationml/2006/ole">
             <mc:AlternateContent xmlns:mc="http://schemas.openxmlformats.org/markup-compatibility/2006">
               <mc:Choice xmlns:v="urn:schemas-microsoft-com:vml" Requires="v">
-                <p:oleObj spid="_x0000_s1057" name="Image" r:id="rId5" imgW="7174440" imgH="4558680" progId="Photoshop.Image.13">
+                <p:oleObj spid="_x0000_s1067" name="Image" r:id="rId5" imgW="7174440" imgH="4558680" progId="Photoshop.Image.13">
                   <p:embed/>
                 </p:oleObj>
               </mc:Choice>
@@ -7472,7 +7468,7 @@
           <a:graphicData uri="http://schemas.openxmlformats.org/presentationml/2006/ole">
             <mc:AlternateContent xmlns:mc="http://schemas.openxmlformats.org/markup-compatibility/2006">
               <mc:Choice xmlns:v="urn:schemas-microsoft-com:vml" Requires="v">
-                <p:oleObj spid="_x0000_s1058" name="Image" r:id="rId7" imgW="7174440" imgH="4558680" progId="Photoshop.Image.13">
+                <p:oleObj spid="_x0000_s1068" name="Image" r:id="rId7" imgW="7174440" imgH="4558680" progId="Photoshop.Image.13">
                   <p:embed/>
                 </p:oleObj>
               </mc:Choice>
@@ -7529,7 +7525,7 @@
           <a:graphicData uri="http://schemas.openxmlformats.org/presentationml/2006/ole">
             <mc:AlternateContent xmlns:mc="http://schemas.openxmlformats.org/markup-compatibility/2006">
               <mc:Choice xmlns:v="urn:schemas-microsoft-com:vml" Requires="v">
-                <p:oleObj spid="_x0000_s1059" name="Image" r:id="rId9" imgW="7174440" imgH="4558680" progId="Photoshop.Image.13">
+                <p:oleObj spid="_x0000_s1069" name="Image" r:id="rId9" imgW="7174440" imgH="4558680" progId="Photoshop.Image.13">
                   <p:embed/>
                 </p:oleObj>
               </mc:Choice>
@@ -7586,7 +7582,7 @@
           <a:graphicData uri="http://schemas.openxmlformats.org/presentationml/2006/ole">
             <mc:AlternateContent xmlns:mc="http://schemas.openxmlformats.org/markup-compatibility/2006">
               <mc:Choice xmlns:v="urn:schemas-microsoft-com:vml" Requires="v">
-                <p:oleObj spid="_x0000_s1060" name="Image" r:id="rId11" imgW="7174440" imgH="4558680" progId="Photoshop.Image.13">
+                <p:oleObj spid="_x0000_s1070" name="Image" r:id="rId11" imgW="7174440" imgH="4558680" progId="Photoshop.Image.13">
                   <p:embed/>
                 </p:oleObj>
               </mc:Choice>
